--- a/Vinoth_Karunakaran.pptx
+++ b/Vinoth_Karunakaran.pptx
@@ -4917,7 +4917,14 @@
                 <a:latin typeface="Calibri" panose="020F0502020204030204" pitchFamily="34" charset="0"/>
                 <a:cs typeface="Calibri" panose="020F0502020204030204" pitchFamily="34" charset="0"/>
               </a:rPr>
-              <a:t>a new challenge and greater responsibility as </a:t>
+              <a:t>a new challenge and greater responsibility </a:t>
+            </a:r>
+            <a:r>
+              <a:rPr lang="en-US" sz="1050" dirty="0" smtClean="0">
+                <a:latin typeface="Calibri" panose="020F0502020204030204" pitchFamily="34" charset="0"/>
+                <a:cs typeface="Calibri" panose="020F0502020204030204" pitchFamily="34" charset="0"/>
+              </a:rPr>
+              <a:t>as a </a:t>
             </a:r>
             <a:r>
               <a:rPr lang="en-US" sz="1050" dirty="0" smtClean="0">
@@ -15794,23 +15801,7 @@
                   <a:schemeClr val="accent2"/>
                 </a:solidFill>
               </a:rPr>
-              <a:t>: </a:t>
-            </a:r>
-            <a:r>
-              <a:rPr lang="en-US" sz="1000" dirty="0" smtClean="0">
-                <a:solidFill>
-                  <a:schemeClr val="accent2"/>
-                </a:solidFill>
-              </a:rPr>
-              <a:t>GitHub, </a:t>
-            </a:r>
-            <a:r>
-              <a:rPr lang="en-US" sz="1000" dirty="0" smtClean="0">
-                <a:solidFill>
-                  <a:schemeClr val="accent2"/>
-                </a:solidFill>
-              </a:rPr>
-              <a:t>FOSSA, Unit Test, Sonarqube, Terraform code, Cloud build</a:t>
+              <a:t>: GitHub, FOSSA, Unit Test, Sonarqube, Terraform code, Cloud build</a:t>
             </a:r>
             <a:endParaRPr lang="en-US" sz="1000" dirty="0">
               <a:solidFill>
@@ -16523,17 +16514,7 @@
                 <a:latin typeface="Calibri" panose="020F0502020204030204" pitchFamily="34" charset="0"/>
                 <a:cs typeface="Calibri" panose="020F0502020204030204" pitchFamily="34" charset="0"/>
               </a:rPr>
-              <a:t>Dev-ops </a:t>
-            </a:r>
-            <a:r>
-              <a:rPr lang="en-US" sz="1500" b="1" dirty="0" smtClean="0">
-                <a:solidFill>
-                  <a:schemeClr val="accent1"/>
-                </a:solidFill>
-                <a:latin typeface="Calibri" panose="020F0502020204030204" pitchFamily="34" charset="0"/>
-                <a:cs typeface="Calibri" panose="020F0502020204030204" pitchFamily="34" charset="0"/>
-              </a:rPr>
-              <a:t>Agent</a:t>
+              <a:t>Dev-ops Agent</a:t>
             </a:r>
             <a:r>
               <a:rPr lang="en-US" sz="1500" b="1" dirty="0" smtClean="0">
